--- a/Heart_Risk_Data_Analysis_Project_4.pptx
+++ b/Heart_Risk_Data_Analysis_Project_4.pptx
@@ -7,10 +7,10 @@
     <p:sldMasterId id="2147483721" r:id="rId6"/>
   </p:sldMasterIdLst>
   <p:notesMasterIdLst>
-    <p:notesMasterId r:id="rId17"/>
+    <p:notesMasterId r:id="rId18"/>
   </p:notesMasterIdLst>
   <p:handoutMasterIdLst>
-    <p:handoutMasterId r:id="rId18"/>
+    <p:handoutMasterId r:id="rId19"/>
   </p:handoutMasterIdLst>
   <p:sldIdLst>
     <p:sldId id="268" r:id="rId7"/>
@@ -21,8 +21,9 @@
     <p:sldId id="279" r:id="rId12"/>
     <p:sldId id="278" r:id="rId13"/>
     <p:sldId id="272" r:id="rId14"/>
-    <p:sldId id="273" r:id="rId15"/>
-    <p:sldId id="274" r:id="rId16"/>
+    <p:sldId id="280" r:id="rId15"/>
+    <p:sldId id="273" r:id="rId16"/>
+    <p:sldId id="274" r:id="rId17"/>
   </p:sldIdLst>
   <p:sldSz cx="12192000" cy="6858000"/>
   <p:notesSz cx="6858000" cy="9144000"/>
@@ -10146,6 +10147,264 @@
           <p:cNvPr id="2" name="Title 1">
             <a:extLst>
               <a:ext uri="{FF2B5EF4-FFF2-40B4-BE49-F238E27FC236}">
+                <a16:creationId xmlns:a16="http://schemas.microsoft.com/office/drawing/2014/main" id="{322EECB0-B351-3EB4-7C48-9BFBDE2D9C61}"/>
+              </a:ext>
+            </a:extLst>
+          </p:cNvPr>
+          <p:cNvSpPr>
+            <a:spLocks noGrp="1"/>
+          </p:cNvSpPr>
+          <p:nvPr>
+            <p:ph type="title"/>
+          </p:nvPr>
+        </p:nvSpPr>
+        <p:spPr/>
+        <p:txBody>
+          <a:bodyPr/>
+          <a:lstStyle/>
+          <a:p>
+            <a:r>
+              <a:rPr lang="en-CA"/>
+              <a:t>Recommendations</a:t>
+            </a:r>
+          </a:p>
+        </p:txBody>
+      </p:sp>
+      <p:sp>
+        <p:nvSpPr>
+          <p:cNvPr id="3" name="Text Placeholder 2">
+            <a:extLst>
+              <a:ext uri="{FF2B5EF4-FFF2-40B4-BE49-F238E27FC236}">
+                <a16:creationId xmlns:a16="http://schemas.microsoft.com/office/drawing/2014/main" id="{9881D60E-6497-EEA2-DF0E-0972AEBAD5D8}"/>
+              </a:ext>
+            </a:extLst>
+          </p:cNvPr>
+          <p:cNvSpPr>
+            <a:spLocks noGrp="1"/>
+          </p:cNvSpPr>
+          <p:nvPr>
+            <p:ph type="body" idx="1"/>
+          </p:nvPr>
+        </p:nvSpPr>
+        <p:spPr/>
+        <p:txBody>
+          <a:bodyPr/>
+          <a:lstStyle/>
+          <a:p>
+            <a:r>
+              <a:rPr lang="en-CA"/>
+              <a:t>Actionable Steps</a:t>
+            </a:r>
+          </a:p>
+        </p:txBody>
+      </p:sp>
+      <p:sp>
+        <p:nvSpPr>
+          <p:cNvPr id="4" name="Text Placeholder 3">
+            <a:extLst>
+              <a:ext uri="{FF2B5EF4-FFF2-40B4-BE49-F238E27FC236}">
+                <a16:creationId xmlns:a16="http://schemas.microsoft.com/office/drawing/2014/main" id="{80638349-3B83-3AB2-05DF-AF3817971B55}"/>
+              </a:ext>
+            </a:extLst>
+          </p:cNvPr>
+          <p:cNvSpPr>
+            <a:spLocks noGrp="1"/>
+          </p:cNvSpPr>
+          <p:nvPr>
+            <p:ph type="body" sz="half" idx="2"/>
+          </p:nvPr>
+        </p:nvSpPr>
+        <p:spPr/>
+        <p:txBody>
+          <a:bodyPr>
+            <a:normAutofit lnSpcReduction="10000"/>
+          </a:bodyPr>
+          <a:lstStyle/>
+          <a:p>
+            <a:r>
+              <a:rPr lang="en-US" dirty="0"/>
+              <a:t>To minimize your heart attack risk, ensure ample sleep, adhere to a nutritious diet, maintain a five-day exercise regimen per week, comply with medication schedules, and keep cholesterol levels in check. </a:t>
+            </a:r>
+            <a:endParaRPr lang="en-CA" dirty="0"/>
+          </a:p>
+        </p:txBody>
+      </p:sp>
+      <p:sp>
+        <p:nvSpPr>
+          <p:cNvPr id="5" name="Text Placeholder 4">
+            <a:extLst>
+              <a:ext uri="{FF2B5EF4-FFF2-40B4-BE49-F238E27FC236}">
+                <a16:creationId xmlns:a16="http://schemas.microsoft.com/office/drawing/2014/main" id="{A9B121BA-8DC5-824E-AA4F-C8B989F3B9F6}"/>
+              </a:ext>
+            </a:extLst>
+          </p:cNvPr>
+          <p:cNvSpPr>
+            <a:spLocks noGrp="1"/>
+          </p:cNvSpPr>
+          <p:nvPr>
+            <p:ph type="body" idx="18"/>
+          </p:nvPr>
+        </p:nvSpPr>
+        <p:spPr/>
+        <p:txBody>
+          <a:bodyPr/>
+          <a:lstStyle/>
+          <a:p>
+            <a:r>
+              <a:rPr lang="en-CA"/>
+              <a:t>Potential Interventions</a:t>
+            </a:r>
+          </a:p>
+        </p:txBody>
+      </p:sp>
+      <p:sp>
+        <p:nvSpPr>
+          <p:cNvPr id="6" name="Text Placeholder 5">
+            <a:extLst>
+              <a:ext uri="{FF2B5EF4-FFF2-40B4-BE49-F238E27FC236}">
+                <a16:creationId xmlns:a16="http://schemas.microsoft.com/office/drawing/2014/main" id="{A5CE44C0-28E9-61DA-92B0-B4BD70BF4E49}"/>
+              </a:ext>
+            </a:extLst>
+          </p:cNvPr>
+          <p:cNvSpPr>
+            <a:spLocks noGrp="1"/>
+          </p:cNvSpPr>
+          <p:nvPr>
+            <p:ph type="body" sz="half" idx="19"/>
+          </p:nvPr>
+        </p:nvSpPr>
+        <p:spPr/>
+        <p:txBody>
+          <a:bodyPr/>
+          <a:lstStyle/>
+          <a:p>
+            <a:r>
+              <a:rPr lang="en-US" dirty="0"/>
+              <a:t>To achieve a representative dataset with global scope, and expanded sample size is necessitated. </a:t>
+            </a:r>
+            <a:endParaRPr lang="en-CA" dirty="0"/>
+          </a:p>
+        </p:txBody>
+      </p:sp>
+      <p:sp>
+        <p:nvSpPr>
+          <p:cNvPr id="7" name="Text Placeholder 6">
+            <a:extLst>
+              <a:ext uri="{FF2B5EF4-FFF2-40B4-BE49-F238E27FC236}">
+                <a16:creationId xmlns:a16="http://schemas.microsoft.com/office/drawing/2014/main" id="{E3F15131-E731-7B8C-6F21-3E76E633AE86}"/>
+              </a:ext>
+            </a:extLst>
+          </p:cNvPr>
+          <p:cNvSpPr>
+            <a:spLocks noGrp="1"/>
+          </p:cNvSpPr>
+          <p:nvPr>
+            <p:ph type="body" idx="20"/>
+          </p:nvPr>
+        </p:nvSpPr>
+        <p:spPr/>
+        <p:txBody>
+          <a:bodyPr/>
+          <a:lstStyle/>
+          <a:p>
+            <a:r>
+              <a:rPr lang="en-CA" dirty="0"/>
+              <a:t>Future Research Opportunities</a:t>
+            </a:r>
+          </a:p>
+        </p:txBody>
+      </p:sp>
+      <p:sp>
+        <p:nvSpPr>
+          <p:cNvPr id="8" name="Text Placeholder 7">
+            <a:extLst>
+              <a:ext uri="{FF2B5EF4-FFF2-40B4-BE49-F238E27FC236}">
+                <a16:creationId xmlns:a16="http://schemas.microsoft.com/office/drawing/2014/main" id="{3E3E0040-FC62-9FE9-4418-080DA07EE115}"/>
+              </a:ext>
+            </a:extLst>
+          </p:cNvPr>
+          <p:cNvSpPr>
+            <a:spLocks noGrp="1"/>
+          </p:cNvSpPr>
+          <p:nvPr>
+            <p:ph type="body" sz="half" idx="21"/>
+          </p:nvPr>
+        </p:nvSpPr>
+        <p:spPr/>
+        <p:txBody>
+          <a:bodyPr>
+            <a:normAutofit fontScale="85000" lnSpcReduction="20000"/>
+          </a:bodyPr>
+          <a:lstStyle/>
+          <a:p>
+            <a:r>
+              <a:rPr lang="en-US" dirty="0"/>
+              <a:t>Further examination could be conducted into the median age of individuals adhering to a nutritious diet and an in-depth analysis of familial heart disease history among both smokers and non-smokers, to glean additional insights in the occurrence of the “smoker paradox” phenomenon.</a:t>
+            </a:r>
+            <a:endParaRPr lang="en-CA" dirty="0"/>
+          </a:p>
+        </p:txBody>
+      </p:sp>
+      <p:pic>
+        <p:nvPicPr>
+          <p:cNvPr id="10" name="Picture Placeholder 9">
+            <a:extLst>
+              <a:ext uri="{FF2B5EF4-FFF2-40B4-BE49-F238E27FC236}">
+                <a16:creationId xmlns:a16="http://schemas.microsoft.com/office/drawing/2014/main" id="{38EBC372-48B8-170A-3CFA-F205535AF7A5}"/>
+              </a:ext>
+            </a:extLst>
+          </p:cNvPr>
+          <p:cNvPicPr>
+            <a:picLocks noGrp="1" noChangeAspect="1"/>
+          </p:cNvPicPr>
+          <p:nvPr>
+            <p:ph type="pic" sz="quarter" idx="22"/>
+          </p:nvPr>
+        </p:nvPicPr>
+        <p:blipFill>
+          <a:blip r:embed="rId2"/>
+          <a:srcRect t="12465" b="12465"/>
+          <a:stretch>
+            <a:fillRect/>
+          </a:stretch>
+        </p:blipFill>
+        <p:spPr/>
+      </p:pic>
+    </p:spTree>
+    <p:extLst>
+      <p:ext uri="{BB962C8B-B14F-4D97-AF65-F5344CB8AC3E}">
+        <p14:creationId xmlns:p14="http://schemas.microsoft.com/office/powerpoint/2010/main" val="682199617"/>
+      </p:ext>
+    </p:extLst>
+  </p:cSld>
+  <p:clrMapOvr>
+    <a:masterClrMapping/>
+  </p:clrMapOvr>
+</p:sld>
+</file>
+
+<file path=ppt/slides/slide11.xml><?xml version="1.0" encoding="utf-8"?>
+<p:sld xmlns:a="http://schemas.openxmlformats.org/drawingml/2006/main" xmlns:r="http://schemas.openxmlformats.org/officeDocument/2006/relationships" xmlns:p="http://schemas.openxmlformats.org/presentationml/2006/main">
+  <p:cSld>
+    <p:spTree>
+      <p:nvGrpSpPr>
+        <p:cNvPr id="1" name=""/>
+        <p:cNvGrpSpPr/>
+        <p:nvPr/>
+      </p:nvGrpSpPr>
+      <p:grpSpPr>
+        <a:xfrm>
+          <a:off x="0" y="0"/>
+          <a:ext cx="0" cy="0"/>
+          <a:chOff x="0" y="0"/>
+          <a:chExt cx="0" cy="0"/>
+        </a:xfrm>
+      </p:grpSpPr>
+      <p:sp>
+        <p:nvSpPr>
+          <p:cNvPr id="2" name="Title 1">
+            <a:extLst>
+              <a:ext uri="{FF2B5EF4-FFF2-40B4-BE49-F238E27FC236}">
                 <a16:creationId xmlns:a16="http://schemas.microsoft.com/office/drawing/2014/main" id="{BB55EC7A-485B-FC37-01B9-07A10EE73450}"/>
               </a:ext>
             </a:extLst>
@@ -12782,7 +13041,7 @@
           <p:cNvPr id="2" name="Title 1">
             <a:extLst>
               <a:ext uri="{FF2B5EF4-FFF2-40B4-BE49-F238E27FC236}">
-                <a16:creationId xmlns:a16="http://schemas.microsoft.com/office/drawing/2014/main" id="{322EECB0-B351-3EB4-7C48-9BFBDE2D9C61}"/>
+                <a16:creationId xmlns:a16="http://schemas.microsoft.com/office/drawing/2014/main" id="{67B9B7D2-FA33-5C37-571E-81F637756123}"/>
               </a:ext>
             </a:extLst>
           </p:cNvPr>
@@ -12793,222 +13052,129 @@
             <p:ph type="title"/>
           </p:nvPr>
         </p:nvSpPr>
-        <p:spPr/>
-        <p:txBody>
-          <a:bodyPr/>
-          <a:lstStyle/>
-          <a:p>
-            <a:r>
-              <a:rPr lang="en-CA"/>
-              <a:t>Recommendations</a:t>
-            </a:r>
-          </a:p>
-        </p:txBody>
-      </p:sp>
-      <p:sp>
-        <p:nvSpPr>
-          <p:cNvPr id="3" name="Text Placeholder 2">
-            <a:extLst>
-              <a:ext uri="{FF2B5EF4-FFF2-40B4-BE49-F238E27FC236}">
-                <a16:creationId xmlns:a16="http://schemas.microsoft.com/office/drawing/2014/main" id="{9881D60E-6497-EEA2-DF0E-0972AEBAD5D8}"/>
-              </a:ext>
-            </a:extLst>
-          </p:cNvPr>
-          <p:cNvSpPr>
-            <a:spLocks noGrp="1"/>
-          </p:cNvSpPr>
-          <p:nvPr>
-            <p:ph type="body" idx="1"/>
-          </p:nvPr>
-        </p:nvSpPr>
-        <p:spPr/>
-        <p:txBody>
-          <a:bodyPr/>
-          <a:lstStyle/>
-          <a:p>
-            <a:r>
-              <a:rPr lang="en-CA"/>
-              <a:t>Actionable Steps</a:t>
-            </a:r>
-          </a:p>
-        </p:txBody>
-      </p:sp>
-      <p:sp>
-        <p:nvSpPr>
-          <p:cNvPr id="4" name="Text Placeholder 3">
-            <a:extLst>
-              <a:ext uri="{FF2B5EF4-FFF2-40B4-BE49-F238E27FC236}">
-                <a16:creationId xmlns:a16="http://schemas.microsoft.com/office/drawing/2014/main" id="{80638349-3B83-3AB2-05DF-AF3817971B55}"/>
-              </a:ext>
-            </a:extLst>
-          </p:cNvPr>
-          <p:cNvSpPr>
-            <a:spLocks noGrp="1"/>
-          </p:cNvSpPr>
-          <p:nvPr>
-            <p:ph type="body" sz="half" idx="2"/>
-          </p:nvPr>
-        </p:nvSpPr>
-        <p:spPr/>
+        <p:spPr>
+          <a:xfrm>
+            <a:off x="725327" y="579798"/>
+            <a:ext cx="10972800" cy="1230485"/>
+          </a:xfrm>
+        </p:spPr>
         <p:txBody>
           <a:bodyPr>
-            <a:normAutofit lnSpcReduction="10000"/>
+            <a:normAutofit fontScale="90000"/>
           </a:bodyPr>
           <a:lstStyle/>
           <a:p>
             <a:r>
-              <a:rPr lang="en-US" dirty="0"/>
-              <a:t>To minimize your heart attack risk, ensure ample sleep, adhere to a nutritious diet, maintain a five-day exercise regimen per week, comply with medication schedules, and keep cholesterol levels in check. </a:t>
-            </a:r>
-            <a:endParaRPr lang="en-CA" dirty="0"/>
-          </a:p>
-        </p:txBody>
-      </p:sp>
-      <p:sp>
-        <p:nvSpPr>
-          <p:cNvPr id="5" name="Text Placeholder 4">
-            <a:extLst>
-              <a:ext uri="{FF2B5EF4-FFF2-40B4-BE49-F238E27FC236}">
-                <a16:creationId xmlns:a16="http://schemas.microsoft.com/office/drawing/2014/main" id="{A9B121BA-8DC5-824E-AA4F-C8B989F3B9F6}"/>
-              </a:ext>
-            </a:extLst>
-          </p:cNvPr>
-          <p:cNvSpPr>
-            <a:spLocks noGrp="1"/>
-          </p:cNvSpPr>
-          <p:nvPr>
-            <p:ph type="body" idx="18"/>
-          </p:nvPr>
-        </p:nvSpPr>
-        <p:spPr/>
-        <p:txBody>
-          <a:bodyPr/>
-          <a:lstStyle/>
-          <a:p>
-            <a:r>
-              <a:rPr lang="en-CA"/>
-              <a:t>Potential Interventions</a:t>
-            </a:r>
-          </a:p>
-        </p:txBody>
-      </p:sp>
-      <p:sp>
-        <p:nvSpPr>
-          <p:cNvPr id="6" name="Text Placeholder 5">
-            <a:extLst>
-              <a:ext uri="{FF2B5EF4-FFF2-40B4-BE49-F238E27FC236}">
-                <a16:creationId xmlns:a16="http://schemas.microsoft.com/office/drawing/2014/main" id="{A5CE44C0-28E9-61DA-92B0-B4BD70BF4E49}"/>
-              </a:ext>
-            </a:extLst>
-          </p:cNvPr>
-          <p:cNvSpPr>
-            <a:spLocks noGrp="1"/>
-          </p:cNvSpPr>
-          <p:nvPr>
-            <p:ph type="body" sz="half" idx="19"/>
-          </p:nvPr>
-        </p:nvSpPr>
-        <p:spPr/>
-        <p:txBody>
-          <a:bodyPr/>
-          <a:lstStyle/>
-          <a:p>
-            <a:r>
-              <a:rPr lang="en-US" dirty="0"/>
-              <a:t>To achieve a representative dataset with global scope, and expanded sample size is necessitated. </a:t>
-            </a:r>
-            <a:endParaRPr lang="en-CA" dirty="0"/>
-          </a:p>
-        </p:txBody>
-      </p:sp>
-      <p:sp>
-        <p:nvSpPr>
-          <p:cNvPr id="7" name="Text Placeholder 6">
-            <a:extLst>
-              <a:ext uri="{FF2B5EF4-FFF2-40B4-BE49-F238E27FC236}">
-                <a16:creationId xmlns:a16="http://schemas.microsoft.com/office/drawing/2014/main" id="{E3F15131-E731-7B8C-6F21-3E76E633AE86}"/>
-              </a:ext>
-            </a:extLst>
-          </p:cNvPr>
-          <p:cNvSpPr>
-            <a:spLocks noGrp="1"/>
-          </p:cNvSpPr>
-          <p:nvPr>
-            <p:ph type="body" idx="20"/>
-          </p:nvPr>
-        </p:nvSpPr>
-        <p:spPr/>
-        <p:txBody>
-          <a:bodyPr/>
-          <a:lstStyle/>
-          <a:p>
-            <a:r>
-              <a:rPr lang="en-CA" dirty="0"/>
-              <a:t>Future Research Opportunities</a:t>
-            </a:r>
-          </a:p>
-        </p:txBody>
-      </p:sp>
-      <p:sp>
-        <p:nvSpPr>
-          <p:cNvPr id="8" name="Text Placeholder 7">
-            <a:extLst>
-              <a:ext uri="{FF2B5EF4-FFF2-40B4-BE49-F238E27FC236}">
-                <a16:creationId xmlns:a16="http://schemas.microsoft.com/office/drawing/2014/main" id="{3E3E0040-FC62-9FE9-4418-080DA07EE115}"/>
-              </a:ext>
-            </a:extLst>
-          </p:cNvPr>
-          <p:cNvSpPr>
-            <a:spLocks noGrp="1"/>
-          </p:cNvSpPr>
-          <p:nvPr>
-            <p:ph type="body" sz="half" idx="21"/>
-          </p:nvPr>
-        </p:nvSpPr>
-        <p:spPr/>
-        <p:txBody>
-          <a:bodyPr>
-            <a:normAutofit fontScale="85000" lnSpcReduction="20000"/>
-          </a:bodyPr>
-          <a:lstStyle/>
-          <a:p>
-            <a:r>
-              <a:rPr lang="en-US" dirty="0"/>
-              <a:t>Further examination could be conducted into the median age of individuals adhering to a nutritious diet and an in-depth analysis of familial heart disease history among both smokers and non-smokers, to glean additional insights in the occurrence of the “smoker paradox” phenomenon.</a:t>
-            </a:r>
-            <a:endParaRPr lang="en-CA" dirty="0"/>
+              <a:rPr lang="en-CA" sz="3000" dirty="0"/>
+              <a:t>Best Prediction Model</a:t>
+            </a:r>
+            <a:br>
+              <a:rPr lang="en-CA" sz="3000" dirty="0"/>
+            </a:br>
+            <a:br>
+              <a:rPr lang="en-CA" sz="3000" dirty="0"/>
+            </a:br>
+            <a:r>
+              <a:rPr lang="en-US" sz="2200" dirty="0"/>
+              <a:t>Data Resampling with </a:t>
+            </a:r>
+            <a:r>
+              <a:rPr lang="en-US" sz="2200" dirty="0" err="1"/>
+              <a:t>RandomOverSampler</a:t>
+            </a:r>
+            <a:r>
+              <a:rPr lang="en-US" sz="2200" dirty="0"/>
+              <a:t> Grid </a:t>
+            </a:r>
+            <a:r>
+              <a:rPr lang="en-US" sz="2200" dirty="0" err="1"/>
+              <a:t>serach</a:t>
+            </a:r>
+            <a:r>
+              <a:rPr lang="en-US" sz="2200" dirty="0"/>
+              <a:t> and </a:t>
+            </a:r>
+            <a:r>
+              <a:rPr lang="en-US" sz="2200" dirty="0" err="1"/>
+              <a:t>RandomForestClassifier</a:t>
+            </a:r>
+            <a:br>
+              <a:rPr lang="en-US" sz="1200" b="0" dirty="0">
+                <a:solidFill>
+                  <a:srgbClr val="3B3B3B"/>
+                </a:solidFill>
+                <a:effectLst/>
+                <a:latin typeface="Consolas" panose="020B0609020204030204" pitchFamily="49" charset="0"/>
+              </a:rPr>
+            </a:br>
+            <a:endParaRPr lang="en-CA" sz="3000" dirty="0"/>
           </a:p>
         </p:txBody>
       </p:sp>
       <p:pic>
         <p:nvPicPr>
-          <p:cNvPr id="10" name="Picture Placeholder 9">
-            <a:extLst>
-              <a:ext uri="{FF2B5EF4-FFF2-40B4-BE49-F238E27FC236}">
-                <a16:creationId xmlns:a16="http://schemas.microsoft.com/office/drawing/2014/main" id="{38EBC372-48B8-170A-3CFA-F205535AF7A5}"/>
+          <p:cNvPr id="13" name="Picture 12" descr="A white paper with black text&#10;&#10;Description automatically generated">
+            <a:extLst>
+              <a:ext uri="{FF2B5EF4-FFF2-40B4-BE49-F238E27FC236}">
+                <a16:creationId xmlns:a16="http://schemas.microsoft.com/office/drawing/2014/main" id="{DCFBB75B-CAB5-4FE9-17D6-19F30F35F2EC}"/>
               </a:ext>
             </a:extLst>
           </p:cNvPr>
           <p:cNvPicPr>
-            <a:picLocks noGrp="1" noChangeAspect="1"/>
+            <a:picLocks noChangeAspect="1"/>
           </p:cNvPicPr>
-          <p:nvPr>
-            <p:ph type="pic" sz="quarter" idx="22"/>
-          </p:nvPr>
+          <p:nvPr/>
         </p:nvPicPr>
         <p:blipFill>
           <a:blip r:embed="rId2"/>
-          <a:srcRect t="12465" b="12465"/>
           <a:stretch>
             <a:fillRect/>
           </a:stretch>
         </p:blipFill>
-        <p:spPr/>
+        <p:spPr>
+          <a:xfrm>
+            <a:off x="725327" y="2357760"/>
+            <a:ext cx="8434449" cy="3305199"/>
+          </a:xfrm>
+          <a:prstGeom prst="rect">
+            <a:avLst/>
+          </a:prstGeom>
+        </p:spPr>
+      </p:pic>
+      <p:pic>
+        <p:nvPicPr>
+          <p:cNvPr id="15" name="Picture 14" descr="A screenshot of a computer&#10;&#10;Description automatically generated">
+            <a:extLst>
+              <a:ext uri="{FF2B5EF4-FFF2-40B4-BE49-F238E27FC236}">
+                <a16:creationId xmlns:a16="http://schemas.microsoft.com/office/drawing/2014/main" id="{DA2BACF5-6558-8CCD-C1BD-DB0F27067FC4}"/>
+              </a:ext>
+            </a:extLst>
+          </p:cNvPr>
+          <p:cNvPicPr>
+            <a:picLocks noChangeAspect="1"/>
+          </p:cNvPicPr>
+          <p:nvPr/>
+        </p:nvPicPr>
+        <p:blipFill>
+          <a:blip r:embed="rId3"/>
+          <a:stretch>
+            <a:fillRect/>
+          </a:stretch>
+        </p:blipFill>
+        <p:spPr>
+          <a:xfrm>
+            <a:off x="6867491" y="3534081"/>
+            <a:ext cx="4714909" cy="2738458"/>
+          </a:xfrm>
+          <a:prstGeom prst="rect">
+            <a:avLst/>
+          </a:prstGeom>
+        </p:spPr>
       </p:pic>
     </p:spTree>
     <p:extLst>
       <p:ext uri="{BB962C8B-B14F-4D97-AF65-F5344CB8AC3E}">
-        <p14:creationId xmlns:p14="http://schemas.microsoft.com/office/powerpoint/2010/main" val="682199617"/>
+        <p14:creationId xmlns:p14="http://schemas.microsoft.com/office/powerpoint/2010/main" val="3711031646"/>
       </p:ext>
     </p:extLst>
   </p:cSld>
@@ -14326,6 +14492,15 @@
 </file>
 
 <file path=customXml/item1.xml><?xml version="1.0" encoding="utf-8"?>
+<?mso-contentType ?>
+<FormTemplates xmlns="http://schemas.microsoft.com/sharepoint/v3/contenttype/forms">
+  <Display>DocumentLibraryForm</Display>
+  <Edit>DocumentLibraryForm</Edit>
+  <New>DocumentLibraryForm</New>
+</FormTemplates>
+</file>
+
+<file path=customXml/item2.xml><?xml version="1.0" encoding="utf-8"?>
 <ct:contentTypeSchema xmlns:ct="http://schemas.microsoft.com/office/2006/metadata/contentType" xmlns:ma="http://schemas.microsoft.com/office/2006/metadata/properties/metaAttributes" ct:_="" ma:_="" ma:contentTypeName="Document" ma:contentTypeID="0x01010079F111ED35F8CC479449609E8A0923A6" ma:contentTypeVersion="28" ma:contentTypeDescription="Create a new document." ma:contentTypeScope="" ma:versionID="60f5a4f2d2b0abadcf532d48ebf9cb71">
   <xsd:schema xmlns:xsd="http://www.w3.org/2001/XMLSchema" xmlns:xs="http://www.w3.org/2001/XMLSchema" xmlns:p="http://schemas.microsoft.com/office/2006/metadata/properties" xmlns:ns1="http://schemas.microsoft.com/sharepoint/v3" xmlns:ns2="71af3243-3dd4-4a8d-8c0d-dd76da1f02a5" xmlns:ns3="16c05727-aa75-4e4a-9b5f-8a80a1165891" xmlns:ns4="230e9df3-be65-4c73-a93b-d1236ebd677e" targetNamespace="http://schemas.microsoft.com/office/2006/metadata/properties" ma:root="true" ma:fieldsID="7dd78129e6a1811f84807ad11c651531" ns1:_="" ns2:_="" ns3:_="" ns4:_="">
     <xsd:import namespace="http://schemas.microsoft.com/sharepoint/v3"/>
@@ -14637,15 +14812,6 @@
 </ct:contentTypeSchema>
 </file>
 
-<file path=customXml/item2.xml><?xml version="1.0" encoding="utf-8"?>
-<?mso-contentType ?>
-<FormTemplates xmlns="http://schemas.microsoft.com/sharepoint/v3/contenttype/forms">
-  <Display>DocumentLibraryForm</Display>
-  <Edit>DocumentLibraryForm</Edit>
-  <New>DocumentLibraryForm</New>
-</FormTemplates>
-</file>
-
 <file path=customXml/item3.xml><?xml version="1.0" encoding="utf-8"?>
 <p:properties xmlns:p="http://schemas.microsoft.com/office/2006/metadata/properties" xmlns:xsi="http://www.w3.org/2001/XMLSchema-instance" xmlns:pc="http://schemas.microsoft.com/office/infopath/2007/PartnerControls">
   <documentManagement>
@@ -14667,6 +14833,14 @@
 </file>
 
 <file path=customXml/itemProps1.xml><?xml version="1.0" encoding="utf-8"?>
+<ds:datastoreItem xmlns:ds="http://schemas.openxmlformats.org/officeDocument/2006/customXml" ds:itemID="{7C61982F-2ECF-41C6-A24B-67F7A4A76443}">
+  <ds:schemaRefs>
+    <ds:schemaRef ds:uri="http://schemas.microsoft.com/sharepoint/v3/contenttype/forms"/>
+  </ds:schemaRefs>
+</ds:datastoreItem>
+</file>
+
+<file path=customXml/itemProps2.xml><?xml version="1.0" encoding="utf-8"?>
 <ds:datastoreItem xmlns:ds="http://schemas.openxmlformats.org/officeDocument/2006/customXml" ds:itemID="{02B3A05D-385A-4F2E-B881-1DA042A616F8}">
   <ds:schemaRefs>
     <ds:schemaRef ds:uri="http://schemas.microsoft.com/office/2006/metadata/contentType"/>
@@ -14687,14 +14861,6 @@
 </ds:datastoreItem>
 </file>
 
-<file path=customXml/itemProps2.xml><?xml version="1.0" encoding="utf-8"?>
-<ds:datastoreItem xmlns:ds="http://schemas.openxmlformats.org/officeDocument/2006/customXml" ds:itemID="{7C61982F-2ECF-41C6-A24B-67F7A4A76443}">
-  <ds:schemaRefs>
-    <ds:schemaRef ds:uri="http://schemas.microsoft.com/sharepoint/v3/contenttype/forms"/>
-  </ds:schemaRefs>
-</ds:datastoreItem>
-</file>
-
 <file path=customXml/itemProps3.xml><?xml version="1.0" encoding="utf-8"?>
 <ds:datastoreItem xmlns:ds="http://schemas.openxmlformats.org/officeDocument/2006/customXml" ds:itemID="{59DF1BDD-DA90-4C4B-8477-EC98BEDD0023}">
   <ds:schemaRefs>
